--- a/20240423/day9_2024_AIML_About_AIML.pptx
+++ b/20240423/day9_2024_AIML_About_AIML.pptx
@@ -11,10 +11,10 @@
     <p:sldMasterId id="2147486098" r:id="rId7"/>
   </p:sldMasterIdLst>
   <p:notesMasterIdLst>
-    <p:notesMasterId r:id="rId21"/>
+    <p:notesMasterId r:id="rId24"/>
   </p:notesMasterIdLst>
   <p:handoutMasterIdLst>
-    <p:handoutMasterId r:id="rId22"/>
+    <p:handoutMasterId r:id="rId25"/>
   </p:handoutMasterIdLst>
   <p:sldIdLst>
     <p:sldId id="685" r:id="rId8"/>
@@ -30,22 +30,25 @@
     <p:sldId id="850" r:id="rId18"/>
     <p:sldId id="851" r:id="rId19"/>
     <p:sldId id="852" r:id="rId20"/>
+    <p:sldId id="853" r:id="rId21"/>
+    <p:sldId id="854" r:id="rId22"/>
+    <p:sldId id="855" r:id="rId23"/>
   </p:sldIdLst>
   <p:sldSz cx="9144000" cy="6858000" type="screen4x3"/>
   <p:notesSz cx="6797675" cy="9928225"/>
   <p:embeddedFontLst>
     <p:embeddedFont>
       <p:font typeface="Arial Black" panose="020B0A04020102020204" pitchFamily="34" charset="0"/>
-      <p:bold r:id="rId23"/>
+      <p:bold r:id="rId26"/>
     </p:embeddedFont>
     <p:embeddedFont>
       <p:font typeface="微軟正黑體" panose="020B0604030504040204" pitchFamily="34" charset="-120"/>
-      <p:regular r:id="rId24"/>
-      <p:bold r:id="rId25"/>
+      <p:regular r:id="rId27"/>
+      <p:bold r:id="rId28"/>
     </p:embeddedFont>
     <p:embeddedFont>
       <p:font typeface="標楷體" panose="03000509000000000000" pitchFamily="65" charset="-120"/>
-      <p:regular r:id="rId26"/>
+      <p:regular r:id="rId29"/>
     </p:embeddedFont>
   </p:embeddedFontLst>
   <p:kinsoku lang="zh-TW" invalStChars="!),.:;?]}，、。．；：？！︰…‥﹐﹑﹒﹔﹕﹖﹗｜–︱—︳?︴﹏）︶﹜︸〕︺】︼》︾〉﹀」﹂』﹄﹚﹜﹞’”〞′·" invalEndChars="([{（︵﹛︷〔︹【︻《︽〈︿「﹁『﹃﹙﹛﹝‘“〝‵"/>
@@ -36187,11 +36190,7 @@
             </a:r>
             <a:r>
               <a:rPr lang="en-US" altLang="zh-TW" dirty="0"/>
-              <a:t>-</a:t>
-            </a:r>
-            <a:r>
-              <a:rPr lang="en-US" altLang="zh-TW" dirty="0" err="1"/>
-              <a:t>scikitlearn</a:t>
+              <a:t>-scikit-learn</a:t>
             </a:r>
             <a:endParaRPr lang="zh-TW" altLang="en-US" dirty="0"/>
           </a:p>
@@ -36218,7 +36217,66 @@
           <a:bodyPr/>
           <a:lstStyle/>
           <a:p>
-            <a:endParaRPr lang="zh-TW" altLang="en-US" dirty="0"/>
+            <a:r>
+              <a:rPr lang="zh-TW" altLang="en-US" dirty="0"/>
+              <a:t>請參考範例程式</a:t>
+            </a:r>
+            <a:endParaRPr lang="en-US" altLang="zh-TW" dirty="0"/>
+          </a:p>
+          <a:p>
+            <a:pPr lvl="1"/>
+            <a:r>
+              <a:rPr lang="zh-TW" altLang="en-US" dirty="0"/>
+              <a:t>使用</a:t>
+            </a:r>
+            <a:r>
+              <a:rPr lang="en-US" altLang="zh-TW" dirty="0"/>
+              <a:t>scikit-learn</a:t>
+            </a:r>
+            <a:r>
+              <a:rPr lang="zh-TW" altLang="en-US" dirty="0"/>
+              <a:t>庫中的</a:t>
+            </a:r>
+            <a:r>
+              <a:rPr lang="en-US" altLang="zh-TW" dirty="0"/>
+              <a:t>SVC</a:t>
+            </a:r>
+            <a:r>
+              <a:rPr lang="zh-TW" altLang="en-US" dirty="0"/>
+              <a:t>（</a:t>
+            </a:r>
+            <a:r>
+              <a:rPr lang="en-US" altLang="zh-TW" dirty="0"/>
+              <a:t>Support Vector Classification</a:t>
+            </a:r>
+            <a:r>
+              <a:rPr lang="zh-TW" altLang="en-US" dirty="0"/>
+              <a:t>）類來進行</a:t>
+            </a:r>
+            <a:r>
+              <a:rPr lang="en-US" altLang="zh-TW" dirty="0"/>
+              <a:t>SVM</a:t>
+            </a:r>
+            <a:r>
+              <a:rPr lang="zh-TW" altLang="en-US" dirty="0"/>
+              <a:t>多類別分類的一個範例程式。在這個範例中，我們將使用著名的鳶尾花（</a:t>
+            </a:r>
+            <a:r>
+              <a:rPr lang="en-US" altLang="zh-TW" dirty="0"/>
+              <a:t>Iris</a:t>
+            </a:r>
+            <a:r>
+              <a:rPr lang="zh-TW" altLang="en-US" dirty="0"/>
+              <a:t>）數據集，這是一個包含三個類別的多類別分類問題。首先，確保您已經安裝了</a:t>
+            </a:r>
+            <a:r>
+              <a:rPr lang="en-US" altLang="zh-TW" dirty="0"/>
+              <a:t>scikit-learn</a:t>
+            </a:r>
+            <a:r>
+              <a:rPr lang="zh-TW" altLang="en-US" dirty="0"/>
+              <a:t>庫。</a:t>
+            </a:r>
           </a:p>
         </p:txBody>
       </p:sp>
@@ -36261,6 +36319,597 @@
     <p:extLst>
       <p:ext uri="{BB962C8B-B14F-4D97-AF65-F5344CB8AC3E}">
         <p14:creationId xmlns:p14="http://schemas.microsoft.com/office/powerpoint/2010/main" val="496686265"/>
+      </p:ext>
+    </p:extLst>
+  </p:cSld>
+  <p:clrMapOvr>
+    <a:masterClrMapping/>
+  </p:clrMapOvr>
+</p:sld>
+</file>
+
+<file path=ppt/slides/slide14.xml><?xml version="1.0" encoding="utf-8"?>
+<p:sld xmlns:a="http://schemas.openxmlformats.org/drawingml/2006/main" xmlns:r="http://schemas.openxmlformats.org/officeDocument/2006/relationships" xmlns:p="http://schemas.openxmlformats.org/presentationml/2006/main">
+  <p:cSld>
+    <p:spTree>
+      <p:nvGrpSpPr>
+        <p:cNvPr id="1" name=""/>
+        <p:cNvGrpSpPr/>
+        <p:nvPr/>
+      </p:nvGrpSpPr>
+      <p:grpSpPr>
+        <a:xfrm>
+          <a:off x="0" y="0"/>
+          <a:ext cx="0" cy="0"/>
+          <a:chOff x="0" y="0"/>
+          <a:chExt cx="0" cy="0"/>
+        </a:xfrm>
+      </p:grpSpPr>
+      <p:sp>
+        <p:nvSpPr>
+          <p:cNvPr id="2" name="標題 1">
+            <a:extLst>
+              <a:ext uri="{FF2B5EF4-FFF2-40B4-BE49-F238E27FC236}">
+                <a16:creationId xmlns:a16="http://schemas.microsoft.com/office/drawing/2014/main" id="{F1A5F825-CD30-DA3F-1FDA-59BAF47C9A65}"/>
+              </a:ext>
+            </a:extLst>
+          </p:cNvPr>
+          <p:cNvSpPr>
+            <a:spLocks noGrp="1"/>
+          </p:cNvSpPr>
+          <p:nvPr>
+            <p:ph type="title"/>
+          </p:nvPr>
+        </p:nvSpPr>
+        <p:spPr/>
+        <p:txBody>
+          <a:bodyPr/>
+          <a:lstStyle/>
+          <a:p>
+            <a:r>
+              <a:rPr lang="en-US" altLang="zh-TW" dirty="0"/>
+              <a:t>SVC</a:t>
+            </a:r>
+            <a:endParaRPr lang="zh-TW" altLang="en-US" dirty="0"/>
+          </a:p>
+        </p:txBody>
+      </p:sp>
+      <p:sp>
+        <p:nvSpPr>
+          <p:cNvPr id="3" name="內容版面配置區 2">
+            <a:extLst>
+              <a:ext uri="{FF2B5EF4-FFF2-40B4-BE49-F238E27FC236}">
+                <a16:creationId xmlns:a16="http://schemas.microsoft.com/office/drawing/2014/main" id="{90ACD02A-7B32-51BB-0AB7-CED381B1EB52}"/>
+              </a:ext>
+            </a:extLst>
+          </p:cNvPr>
+          <p:cNvSpPr>
+            <a:spLocks noGrp="1"/>
+          </p:cNvSpPr>
+          <p:nvPr>
+            <p:ph idx="1"/>
+          </p:nvPr>
+        </p:nvSpPr>
+        <p:spPr/>
+        <p:txBody>
+          <a:bodyPr/>
+          <a:lstStyle/>
+          <a:p>
+            <a:r>
+              <a:rPr lang="zh-TW" altLang="en-US" sz="2400" dirty="0"/>
+              <a:t>在這個範例中，我們首先加載鳶尾花數據集，然後將其切分為訓練集和測試集。接著，我們對特徵進行標準化處理，這是因為</a:t>
+            </a:r>
+            <a:r>
+              <a:rPr lang="en-US" altLang="zh-TW" sz="2400" dirty="0"/>
+              <a:t>SVM</a:t>
+            </a:r>
+            <a:r>
+              <a:rPr lang="zh-TW" altLang="en-US" sz="2400" dirty="0"/>
+              <a:t>對數據的尺度非常敏感。之後，我們創建了一個</a:t>
+            </a:r>
+            <a:r>
+              <a:rPr lang="en-US" altLang="zh-TW" sz="2400" dirty="0"/>
+              <a:t>SVM</a:t>
+            </a:r>
+            <a:r>
+              <a:rPr lang="zh-TW" altLang="en-US" sz="2400" dirty="0"/>
+              <a:t>分類器</a:t>
+            </a:r>
+            <a:r>
+              <a:rPr lang="en-US" altLang="zh-TW" sz="2400" dirty="0"/>
+              <a:t>SVC</a:t>
+            </a:r>
+            <a:r>
+              <a:rPr lang="zh-TW" altLang="en-US" sz="2400" dirty="0"/>
+              <a:t>的實例，並使用</a:t>
+            </a:r>
+            <a:r>
+              <a:rPr lang="en-US" altLang="zh-TW" sz="2400" dirty="0"/>
+              <a:t>RBF</a:t>
+            </a:r>
+            <a:r>
+              <a:rPr lang="zh-TW" altLang="en-US" sz="2400" dirty="0"/>
+              <a:t>（徑向基函數）核進行訓練。在訓練模型後，我們對測試集進行預測並計算準確率。</a:t>
+            </a:r>
+          </a:p>
+          <a:p>
+            <a:endParaRPr lang="zh-TW" altLang="en-US" sz="2400" dirty="0"/>
+          </a:p>
+          <a:p>
+            <a:r>
+              <a:rPr lang="en-US" altLang="zh-TW" sz="2400" dirty="0" err="1"/>
+              <a:t>decision_function_shape</a:t>
+            </a:r>
+            <a:r>
+              <a:rPr lang="en-US" altLang="zh-TW" sz="2400" dirty="0"/>
+              <a:t>='</a:t>
+            </a:r>
+            <a:r>
+              <a:rPr lang="en-US" altLang="zh-TW" sz="2400" dirty="0" err="1"/>
+              <a:t>ovo</a:t>
+            </a:r>
+            <a:r>
+              <a:rPr lang="en-US" altLang="zh-TW" sz="2400" dirty="0"/>
+              <a:t>'</a:t>
+            </a:r>
+            <a:r>
+              <a:rPr lang="zh-TW" altLang="en-US" sz="2400" dirty="0"/>
+              <a:t>指定了在多類別分類中使用一對一（</a:t>
+            </a:r>
+            <a:r>
+              <a:rPr lang="en-US" altLang="zh-TW" sz="2400" dirty="0"/>
+              <a:t>One-vs-One</a:t>
+            </a:r>
+            <a:r>
+              <a:rPr lang="zh-TW" altLang="en-US" sz="2400" dirty="0"/>
+              <a:t>）策略。</a:t>
+            </a:r>
+            <a:r>
+              <a:rPr lang="en-US" altLang="zh-TW" sz="2400" dirty="0"/>
+              <a:t>scikit-learn</a:t>
+            </a:r>
+            <a:r>
+              <a:rPr lang="zh-TW" altLang="en-US" sz="2400" dirty="0"/>
+              <a:t>的</a:t>
+            </a:r>
+            <a:r>
+              <a:rPr lang="en-US" altLang="zh-TW" sz="2400" dirty="0"/>
+              <a:t>SVC</a:t>
+            </a:r>
+            <a:r>
+              <a:rPr lang="zh-TW" altLang="en-US" sz="2400" dirty="0"/>
+              <a:t>類默認就是支持多類別分類的，可以自動處理多類別問題，無需手動實現一對一或一對多策略。在這個範例中，</a:t>
+            </a:r>
+            <a:r>
+              <a:rPr lang="en-US" altLang="zh-TW" sz="2400" dirty="0" err="1"/>
+              <a:t>accuracy_score</a:t>
+            </a:r>
+            <a:r>
+              <a:rPr lang="zh-TW" altLang="en-US" sz="2400" dirty="0"/>
+              <a:t>用於評估模型的準確率。</a:t>
+            </a:r>
+          </a:p>
+        </p:txBody>
+      </p:sp>
+      <p:sp>
+        <p:nvSpPr>
+          <p:cNvPr id="4" name="投影片編號版面配置區 3">
+            <a:extLst>
+              <a:ext uri="{FF2B5EF4-FFF2-40B4-BE49-F238E27FC236}">
+                <a16:creationId xmlns:a16="http://schemas.microsoft.com/office/drawing/2014/main" id="{A8B67AAF-D840-DEBA-06CA-A9EE4C68774E}"/>
+              </a:ext>
+            </a:extLst>
+          </p:cNvPr>
+          <p:cNvSpPr>
+            <a:spLocks noGrp="1"/>
+          </p:cNvSpPr>
+          <p:nvPr>
+            <p:ph type="sldNum" sz="quarter" idx="11"/>
+          </p:nvPr>
+        </p:nvSpPr>
+        <p:spPr/>
+        <p:txBody>
+          <a:bodyPr/>
+          <a:lstStyle/>
+          <a:p>
+            <a:pPr>
+              <a:defRPr/>
+            </a:pPr>
+            <a:fld id="{D88A4311-EFC0-4FDA-A15B-814A4F6B1725}" type="slidenum">
+              <a:rPr lang="en-US" altLang="zh-TW" smtClean="0"/>
+              <a:pPr>
+                <a:defRPr/>
+              </a:pPr>
+              <a:t>14</a:t>
+            </a:fld>
+            <a:endParaRPr lang="en-US" altLang="zh-TW"/>
+          </a:p>
+        </p:txBody>
+      </p:sp>
+    </p:spTree>
+    <p:extLst>
+      <p:ext uri="{BB962C8B-B14F-4D97-AF65-F5344CB8AC3E}">
+        <p14:creationId xmlns:p14="http://schemas.microsoft.com/office/powerpoint/2010/main" val="1721665815"/>
+      </p:ext>
+    </p:extLst>
+  </p:cSld>
+  <p:clrMapOvr>
+    <a:masterClrMapping/>
+  </p:clrMapOvr>
+</p:sld>
+</file>
+
+<file path=ppt/slides/slide15.xml><?xml version="1.0" encoding="utf-8"?>
+<p:sld xmlns:a="http://schemas.openxmlformats.org/drawingml/2006/main" xmlns:r="http://schemas.openxmlformats.org/officeDocument/2006/relationships" xmlns:p="http://schemas.openxmlformats.org/presentationml/2006/main">
+  <p:cSld>
+    <p:spTree>
+      <p:nvGrpSpPr>
+        <p:cNvPr id="1" name=""/>
+        <p:cNvGrpSpPr/>
+        <p:nvPr/>
+      </p:nvGrpSpPr>
+      <p:grpSpPr>
+        <a:xfrm>
+          <a:off x="0" y="0"/>
+          <a:ext cx="0" cy="0"/>
+          <a:chOff x="0" y="0"/>
+          <a:chExt cx="0" cy="0"/>
+        </a:xfrm>
+      </p:grpSpPr>
+      <p:sp>
+        <p:nvSpPr>
+          <p:cNvPr id="2" name="標題 1">
+            <a:extLst>
+              <a:ext uri="{FF2B5EF4-FFF2-40B4-BE49-F238E27FC236}">
+                <a16:creationId xmlns:a16="http://schemas.microsoft.com/office/drawing/2014/main" id="{1EED8BFC-438B-18F9-438F-B65A5823BD37}"/>
+              </a:ext>
+            </a:extLst>
+          </p:cNvPr>
+          <p:cNvSpPr>
+            <a:spLocks noGrp="1"/>
+          </p:cNvSpPr>
+          <p:nvPr>
+            <p:ph type="title"/>
+          </p:nvPr>
+        </p:nvSpPr>
+        <p:spPr/>
+        <p:txBody>
+          <a:bodyPr/>
+          <a:lstStyle/>
+          <a:p>
+            <a:r>
+              <a:rPr lang="en-US" altLang="zh-TW" dirty="0"/>
+              <a:t>SVC</a:t>
+            </a:r>
+            <a:endParaRPr lang="zh-TW" altLang="en-US" dirty="0"/>
+          </a:p>
+        </p:txBody>
+      </p:sp>
+      <p:sp>
+        <p:nvSpPr>
+          <p:cNvPr id="3" name="內容版面配置區 2">
+            <a:extLst>
+              <a:ext uri="{FF2B5EF4-FFF2-40B4-BE49-F238E27FC236}">
+                <a16:creationId xmlns:a16="http://schemas.microsoft.com/office/drawing/2014/main" id="{3B4BD834-5E39-6385-AD34-062DB436BD85}"/>
+              </a:ext>
+            </a:extLst>
+          </p:cNvPr>
+          <p:cNvSpPr>
+            <a:spLocks noGrp="1"/>
+          </p:cNvSpPr>
+          <p:nvPr>
+            <p:ph idx="1"/>
+          </p:nvPr>
+        </p:nvSpPr>
+        <p:spPr/>
+        <p:txBody>
+          <a:bodyPr/>
+          <a:lstStyle/>
+          <a:p>
+            <a:r>
+              <a:rPr lang="zh-TW" altLang="en-US" dirty="0"/>
+              <a:t>支持向量機（</a:t>
+            </a:r>
+            <a:r>
+              <a:rPr lang="en-US" altLang="zh-TW" dirty="0"/>
+              <a:t>SVM</a:t>
+            </a:r>
+            <a:r>
+              <a:rPr lang="zh-TW" altLang="en-US" dirty="0"/>
+              <a:t>）本來就是為了解決分類問題而設計的，</a:t>
+            </a:r>
+            <a:r>
+              <a:rPr lang="zh-TW" altLang="en-US" dirty="0">
+                <a:highlight>
+                  <a:srgbClr val="FFFF00"/>
+                </a:highlight>
+              </a:rPr>
+              <a:t>尤其是在二分類</a:t>
+            </a:r>
+            <a:r>
+              <a:rPr lang="zh-TW" altLang="en-US" dirty="0"/>
+              <a:t>（二元分類）問題中表現出色。</a:t>
+            </a:r>
+            <a:r>
+              <a:rPr lang="en-US" altLang="zh-TW" dirty="0"/>
+              <a:t>SVM</a:t>
+            </a:r>
+            <a:r>
+              <a:rPr lang="zh-TW" altLang="en-US" dirty="0"/>
+              <a:t>通過尋找最佳決策邊界來最大化不同類別之間的邊際，從而達到分類的目的。</a:t>
+            </a:r>
+          </a:p>
+        </p:txBody>
+      </p:sp>
+      <p:sp>
+        <p:nvSpPr>
+          <p:cNvPr id="4" name="投影片編號版面配置區 3">
+            <a:extLst>
+              <a:ext uri="{FF2B5EF4-FFF2-40B4-BE49-F238E27FC236}">
+                <a16:creationId xmlns:a16="http://schemas.microsoft.com/office/drawing/2014/main" id="{0264DDD5-08A7-3331-4D6F-7C8F0225F08E}"/>
+              </a:ext>
+            </a:extLst>
+          </p:cNvPr>
+          <p:cNvSpPr>
+            <a:spLocks noGrp="1"/>
+          </p:cNvSpPr>
+          <p:nvPr>
+            <p:ph type="sldNum" sz="quarter" idx="11"/>
+          </p:nvPr>
+        </p:nvSpPr>
+        <p:spPr/>
+        <p:txBody>
+          <a:bodyPr/>
+          <a:lstStyle/>
+          <a:p>
+            <a:pPr>
+              <a:defRPr/>
+            </a:pPr>
+            <a:fld id="{D88A4311-EFC0-4FDA-A15B-814A4F6B1725}" type="slidenum">
+              <a:rPr lang="en-US" altLang="zh-TW" smtClean="0"/>
+              <a:pPr>
+                <a:defRPr/>
+              </a:pPr>
+              <a:t>15</a:t>
+            </a:fld>
+            <a:endParaRPr lang="en-US" altLang="zh-TW"/>
+          </a:p>
+        </p:txBody>
+      </p:sp>
+    </p:spTree>
+    <p:extLst>
+      <p:ext uri="{BB962C8B-B14F-4D97-AF65-F5344CB8AC3E}">
+        <p14:creationId xmlns:p14="http://schemas.microsoft.com/office/powerpoint/2010/main" val="1987753729"/>
+      </p:ext>
+    </p:extLst>
+  </p:cSld>
+  <p:clrMapOvr>
+    <a:masterClrMapping/>
+  </p:clrMapOvr>
+</p:sld>
+</file>
+
+<file path=ppt/slides/slide16.xml><?xml version="1.0" encoding="utf-8"?>
+<p:sld xmlns:a="http://schemas.openxmlformats.org/drawingml/2006/main" xmlns:r="http://schemas.openxmlformats.org/officeDocument/2006/relationships" xmlns:p="http://schemas.openxmlformats.org/presentationml/2006/main">
+  <p:cSld>
+    <p:spTree>
+      <p:nvGrpSpPr>
+        <p:cNvPr id="1" name=""/>
+        <p:cNvGrpSpPr/>
+        <p:nvPr/>
+      </p:nvGrpSpPr>
+      <p:grpSpPr>
+        <a:xfrm>
+          <a:off x="0" y="0"/>
+          <a:ext cx="0" cy="0"/>
+          <a:chOff x="0" y="0"/>
+          <a:chExt cx="0" cy="0"/>
+        </a:xfrm>
+      </p:grpSpPr>
+      <p:sp>
+        <p:nvSpPr>
+          <p:cNvPr id="2" name="標題 1">
+            <a:extLst>
+              <a:ext uri="{FF2B5EF4-FFF2-40B4-BE49-F238E27FC236}">
+                <a16:creationId xmlns:a16="http://schemas.microsoft.com/office/drawing/2014/main" id="{7EC44679-2186-738C-9A21-B6E0DAAFFE80}"/>
+              </a:ext>
+            </a:extLst>
+          </p:cNvPr>
+          <p:cNvSpPr>
+            <a:spLocks noGrp="1"/>
+          </p:cNvSpPr>
+          <p:nvPr>
+            <p:ph type="title"/>
+          </p:nvPr>
+        </p:nvSpPr>
+        <p:spPr/>
+        <p:txBody>
+          <a:bodyPr/>
+          <a:lstStyle/>
+          <a:p>
+            <a:r>
+              <a:rPr lang="en-US" altLang="zh-TW" b="1" i="0" dirty="0">
+                <a:solidFill>
+                  <a:srgbClr val="0D0D0D"/>
+                </a:solidFill>
+                <a:effectLst/>
+                <a:highlight>
+                  <a:srgbClr val="FFFFFF"/>
+                </a:highlight>
+                <a:latin typeface="Söhne"/>
+              </a:rPr>
+              <a:t>SVC </a:t>
+            </a:r>
+            <a:r>
+              <a:rPr lang="zh-TW" altLang="en-US" b="1" i="0" dirty="0">
+                <a:solidFill>
+                  <a:srgbClr val="0D0D0D"/>
+                </a:solidFill>
+                <a:effectLst/>
+                <a:highlight>
+                  <a:srgbClr val="FFFFFF"/>
+                </a:highlight>
+                <a:latin typeface="Söhne"/>
+              </a:rPr>
+              <a:t>多類別分類</a:t>
+            </a:r>
+            <a:endParaRPr lang="zh-TW" altLang="en-US" dirty="0"/>
+          </a:p>
+        </p:txBody>
+      </p:sp>
+      <p:sp>
+        <p:nvSpPr>
+          <p:cNvPr id="3" name="內容版面配置區 2">
+            <a:extLst>
+              <a:ext uri="{FF2B5EF4-FFF2-40B4-BE49-F238E27FC236}">
+                <a16:creationId xmlns:a16="http://schemas.microsoft.com/office/drawing/2014/main" id="{4EE52ED4-896F-A1FA-B12E-9958C146010C}"/>
+              </a:ext>
+            </a:extLst>
+          </p:cNvPr>
+          <p:cNvSpPr>
+            <a:spLocks noGrp="1"/>
+          </p:cNvSpPr>
+          <p:nvPr>
+            <p:ph idx="1"/>
+          </p:nvPr>
+        </p:nvSpPr>
+        <p:spPr/>
+        <p:txBody>
+          <a:bodyPr/>
+          <a:lstStyle/>
+          <a:p>
+            <a:r>
+              <a:rPr lang="zh-TW" altLang="en-US" sz="2400" dirty="0"/>
+              <a:t>一對多（</a:t>
+            </a:r>
+            <a:r>
+              <a:rPr lang="en-US" altLang="zh-TW" sz="2400" dirty="0"/>
+              <a:t>One-vs.-All, </a:t>
+            </a:r>
+            <a:r>
+              <a:rPr lang="en-US" altLang="zh-TW" sz="2400" dirty="0" err="1"/>
+              <a:t>OvA</a:t>
+            </a:r>
+            <a:r>
+              <a:rPr lang="zh-TW" altLang="en-US" sz="2400" dirty="0"/>
+              <a:t>）：這種方法對於每一個類別訓練一個</a:t>
+            </a:r>
+            <a:r>
+              <a:rPr lang="en-US" altLang="zh-TW" sz="2400" dirty="0"/>
+              <a:t>SVM</a:t>
+            </a:r>
+            <a:r>
+              <a:rPr lang="zh-TW" altLang="en-US" sz="2400" dirty="0"/>
+              <a:t>分類器，將該類別與所有其他類別區分開來。如果有</a:t>
+            </a:r>
+            <a:r>
+              <a:rPr lang="en-US" altLang="zh-TW" sz="2400" dirty="0"/>
+              <a:t>N</a:t>
+            </a:r>
+            <a:r>
+              <a:rPr lang="zh-TW" altLang="en-US" sz="2400" dirty="0"/>
+              <a:t>個類別，那麼就會訓練</a:t>
+            </a:r>
+            <a:r>
+              <a:rPr lang="en-US" altLang="zh-TW" sz="2400" dirty="0"/>
+              <a:t>N</a:t>
+            </a:r>
+            <a:r>
+              <a:rPr lang="zh-TW" altLang="en-US" sz="2400" dirty="0"/>
+              <a:t>個</a:t>
+            </a:r>
+            <a:r>
+              <a:rPr lang="en-US" altLang="zh-TW" sz="2400" dirty="0"/>
+              <a:t>SVM</a:t>
+            </a:r>
+            <a:r>
+              <a:rPr lang="zh-TW" altLang="en-US" sz="2400" dirty="0"/>
+              <a:t>分類器。在預測時，選擇得分最高的分類器所對應的類別作為預測結果。</a:t>
+            </a:r>
+          </a:p>
+          <a:p>
+            <a:r>
+              <a:rPr lang="zh-TW" altLang="en-US" sz="2400" dirty="0"/>
+              <a:t>一對一（</a:t>
+            </a:r>
+            <a:r>
+              <a:rPr lang="en-US" altLang="zh-TW" sz="2400" dirty="0"/>
+              <a:t>One-vs.-One, </a:t>
+            </a:r>
+            <a:r>
+              <a:rPr lang="en-US" altLang="zh-TW" sz="2400" dirty="0" err="1"/>
+              <a:t>OvO</a:t>
+            </a:r>
+            <a:r>
+              <a:rPr lang="zh-TW" altLang="en-US" sz="2400" dirty="0"/>
+              <a:t>）：這種方法對於每對類別訓練一個</a:t>
+            </a:r>
+            <a:r>
+              <a:rPr lang="en-US" altLang="zh-TW" sz="2400" dirty="0"/>
+              <a:t>SVM</a:t>
+            </a:r>
+            <a:r>
+              <a:rPr lang="zh-TW" altLang="en-US" sz="2400" dirty="0"/>
+              <a:t>分類器，只考慮這兩個類別的數據。對於</a:t>
+            </a:r>
+            <a:r>
+              <a:rPr lang="en-US" altLang="zh-TW" sz="2400" dirty="0"/>
+              <a:t>N</a:t>
+            </a:r>
+            <a:r>
+              <a:rPr lang="zh-TW" altLang="en-US" sz="2400" dirty="0"/>
+              <a:t>個類別，這會產生</a:t>
+            </a:r>
+            <a:r>
+              <a:rPr lang="en-US" altLang="zh-TW" sz="2400" dirty="0"/>
+              <a:t>N*(N-1)/2</a:t>
+            </a:r>
+            <a:r>
+              <a:rPr lang="zh-TW" altLang="en-US" sz="2400" dirty="0"/>
+              <a:t>個分類器。在預測時，每個分類器投票決定類別，最終選擇票數最多的類別。</a:t>
+            </a:r>
+          </a:p>
+        </p:txBody>
+      </p:sp>
+      <p:sp>
+        <p:nvSpPr>
+          <p:cNvPr id="4" name="投影片編號版面配置區 3">
+            <a:extLst>
+              <a:ext uri="{FF2B5EF4-FFF2-40B4-BE49-F238E27FC236}">
+                <a16:creationId xmlns:a16="http://schemas.microsoft.com/office/drawing/2014/main" id="{8959E20E-9365-4AC6-16D0-23578DC55784}"/>
+              </a:ext>
+            </a:extLst>
+          </p:cNvPr>
+          <p:cNvSpPr>
+            <a:spLocks noGrp="1"/>
+          </p:cNvSpPr>
+          <p:nvPr>
+            <p:ph type="sldNum" sz="quarter" idx="11"/>
+          </p:nvPr>
+        </p:nvSpPr>
+        <p:spPr/>
+        <p:txBody>
+          <a:bodyPr/>
+          <a:lstStyle/>
+          <a:p>
+            <a:pPr>
+              <a:defRPr/>
+            </a:pPr>
+            <a:fld id="{D88A4311-EFC0-4FDA-A15B-814A4F6B1725}" type="slidenum">
+              <a:rPr lang="en-US" altLang="zh-TW" smtClean="0"/>
+              <a:pPr>
+                <a:defRPr/>
+              </a:pPr>
+              <a:t>16</a:t>
+            </a:fld>
+            <a:endParaRPr lang="en-US" altLang="zh-TW"/>
+          </a:p>
+        </p:txBody>
+      </p:sp>
+    </p:spTree>
+    <p:extLst>
+      <p:ext uri="{BB962C8B-B14F-4D97-AF65-F5344CB8AC3E}">
+        <p14:creationId xmlns:p14="http://schemas.microsoft.com/office/powerpoint/2010/main" val="3962783237"/>
       </p:ext>
     </p:extLst>
   </p:cSld>

--- a/20240423/day9_2024_AIML_About_AIML.pptx
+++ b/20240423/day9_2024_AIML_About_AIML.pptx
@@ -11,10 +11,10 @@
     <p:sldMasterId id="2147486098" r:id="rId7"/>
   </p:sldMasterIdLst>
   <p:notesMasterIdLst>
-    <p:notesMasterId r:id="rId24"/>
+    <p:notesMasterId r:id="rId25"/>
   </p:notesMasterIdLst>
   <p:handoutMasterIdLst>
-    <p:handoutMasterId r:id="rId25"/>
+    <p:handoutMasterId r:id="rId26"/>
   </p:handoutMasterIdLst>
   <p:sldIdLst>
     <p:sldId id="685" r:id="rId8"/>
@@ -33,22 +33,23 @@
     <p:sldId id="853" r:id="rId21"/>
     <p:sldId id="854" r:id="rId22"/>
     <p:sldId id="855" r:id="rId23"/>
+    <p:sldId id="856" r:id="rId24"/>
   </p:sldIdLst>
   <p:sldSz cx="9144000" cy="6858000" type="screen4x3"/>
   <p:notesSz cx="6797675" cy="9928225"/>
   <p:embeddedFontLst>
     <p:embeddedFont>
       <p:font typeface="Arial Black" panose="020B0A04020102020204" pitchFamily="34" charset="0"/>
-      <p:bold r:id="rId26"/>
+      <p:bold r:id="rId27"/>
     </p:embeddedFont>
     <p:embeddedFont>
       <p:font typeface="微軟正黑體" panose="020B0604030504040204" pitchFamily="34" charset="-120"/>
-      <p:regular r:id="rId27"/>
-      <p:bold r:id="rId28"/>
+      <p:regular r:id="rId28"/>
+      <p:bold r:id="rId29"/>
     </p:embeddedFont>
     <p:embeddedFont>
       <p:font typeface="標楷體" panose="03000509000000000000" pitchFamily="65" charset="-120"/>
-      <p:regular r:id="rId29"/>
+      <p:regular r:id="rId30"/>
     </p:embeddedFont>
   </p:embeddedFontLst>
   <p:kinsoku lang="zh-TW" invalStChars="!),.:;?]}，、。．；：？！︰…‥﹐﹑﹒﹔﹕﹖﹗｜–︱—︳?︴﹏）︶﹜︸〕︺】︼》︾〉﹀」﹂』﹄﹚﹜﹞’”〞′·" invalEndChars="([{（︵﹛︷〔︹【︻《︽〈︿「﹁『﹃﹙﹛﹝‘“〝‵"/>
@@ -36910,6 +36911,252 @@
     <p:extLst>
       <p:ext uri="{BB962C8B-B14F-4D97-AF65-F5344CB8AC3E}">
         <p14:creationId xmlns:p14="http://schemas.microsoft.com/office/powerpoint/2010/main" val="3962783237"/>
+      </p:ext>
+    </p:extLst>
+  </p:cSld>
+  <p:clrMapOvr>
+    <a:masterClrMapping/>
+  </p:clrMapOvr>
+</p:sld>
+</file>
+
+<file path=ppt/slides/slide17.xml><?xml version="1.0" encoding="utf-8"?>
+<p:sld xmlns:a="http://schemas.openxmlformats.org/drawingml/2006/main" xmlns:r="http://schemas.openxmlformats.org/officeDocument/2006/relationships" xmlns:p="http://schemas.openxmlformats.org/presentationml/2006/main">
+  <p:cSld>
+    <p:spTree>
+      <p:nvGrpSpPr>
+        <p:cNvPr id="1" name=""/>
+        <p:cNvGrpSpPr/>
+        <p:nvPr/>
+      </p:nvGrpSpPr>
+      <p:grpSpPr>
+        <a:xfrm>
+          <a:off x="0" y="0"/>
+          <a:ext cx="0" cy="0"/>
+          <a:chOff x="0" y="0"/>
+          <a:chExt cx="0" cy="0"/>
+        </a:xfrm>
+      </p:grpSpPr>
+      <p:sp>
+        <p:nvSpPr>
+          <p:cNvPr id="2" name="標題 1">
+            <a:extLst>
+              <a:ext uri="{FF2B5EF4-FFF2-40B4-BE49-F238E27FC236}">
+                <a16:creationId xmlns:a16="http://schemas.microsoft.com/office/drawing/2014/main" id="{72875350-E1CF-4ED8-9791-B2A771FD9EDB}"/>
+              </a:ext>
+            </a:extLst>
+          </p:cNvPr>
+          <p:cNvSpPr>
+            <a:spLocks noGrp="1"/>
+          </p:cNvSpPr>
+          <p:nvPr>
+            <p:ph type="title"/>
+          </p:nvPr>
+        </p:nvSpPr>
+        <p:spPr/>
+        <p:txBody>
+          <a:bodyPr/>
+          <a:lstStyle/>
+          <a:p>
+            <a:r>
+              <a:rPr lang="en-US" altLang="zh-TW" dirty="0"/>
+              <a:t>2024 </a:t>
+            </a:r>
+            <a:r>
+              <a:rPr lang="zh-TW" altLang="en-US" dirty="0"/>
+              <a:t>作業繳交</a:t>
+            </a:r>
+          </a:p>
+        </p:txBody>
+      </p:sp>
+      <p:sp>
+        <p:nvSpPr>
+          <p:cNvPr id="3" name="內容版面配置區 2">
+            <a:extLst>
+              <a:ext uri="{FF2B5EF4-FFF2-40B4-BE49-F238E27FC236}">
+                <a16:creationId xmlns:a16="http://schemas.microsoft.com/office/drawing/2014/main" id="{F80CED1E-9AA6-45E0-9EEA-631DEC244BDE}"/>
+              </a:ext>
+            </a:extLst>
+          </p:cNvPr>
+          <p:cNvSpPr>
+            <a:spLocks noGrp="1"/>
+          </p:cNvSpPr>
+          <p:nvPr>
+            <p:ph idx="1"/>
+          </p:nvPr>
+        </p:nvSpPr>
+        <p:spPr/>
+        <p:txBody>
+          <a:bodyPr/>
+          <a:lstStyle/>
+          <a:p>
+            <a:r>
+              <a:rPr lang="zh-TW" altLang="en-US" dirty="0"/>
+              <a:t>上傳截圖</a:t>
+            </a:r>
+          </a:p>
+          <a:p>
+            <a:r>
+              <a:rPr lang="en-US" altLang="zh-TW" dirty="0"/>
+              <a:t>1. </a:t>
+            </a:r>
+            <a:r>
+              <a:rPr lang="zh-TW" altLang="en-US" dirty="0"/>
+              <a:t>各階段的數據狀態。</a:t>
+            </a:r>
+            <a:endParaRPr lang="en-US" altLang="zh-TW" dirty="0"/>
+          </a:p>
+          <a:p>
+            <a:pPr lvl="1"/>
+            <a:r>
+              <a:rPr lang="zh-TW" altLang="en-US" dirty="0"/>
+              <a:t>原始資料集</a:t>
+            </a:r>
+            <a:endParaRPr lang="en-US" altLang="zh-TW" dirty="0"/>
+          </a:p>
+          <a:p>
+            <a:pPr lvl="1"/>
+            <a:r>
+              <a:rPr lang="zh-TW" altLang="en-US" dirty="0"/>
+              <a:t>訓練資料與測試資料</a:t>
+            </a:r>
+            <a:endParaRPr lang="en-US" altLang="zh-TW" dirty="0"/>
+          </a:p>
+          <a:p>
+            <a:pPr lvl="1"/>
+            <a:r>
+              <a:rPr lang="zh-TW" altLang="en-US" dirty="0"/>
+              <a:t>預測結果</a:t>
+            </a:r>
+            <a:endParaRPr lang="en-US" altLang="zh-TW" dirty="0"/>
+          </a:p>
+          <a:p>
+            <a:pPr lvl="1"/>
+            <a:r>
+              <a:rPr lang="zh-TW" altLang="en-US" dirty="0"/>
+              <a:t>正確率</a:t>
+            </a:r>
+            <a:endParaRPr lang="en-US" altLang="zh-TW" dirty="0"/>
+          </a:p>
+          <a:p>
+            <a:r>
+              <a:rPr lang="en-US" altLang="zh-TW" dirty="0"/>
+              <a:t>2. </a:t>
+            </a:r>
+            <a:r>
+              <a:rPr lang="zh-TW" altLang="en-US" dirty="0"/>
+              <a:t>期中作業預告</a:t>
+            </a:r>
+            <a:r>
+              <a:rPr lang="en-US" altLang="zh-TW" dirty="0"/>
+              <a:t>-</a:t>
+            </a:r>
+            <a:r>
+              <a:rPr lang="zh-TW" altLang="en-US" dirty="0"/>
+              <a:t>準備自己的資料，</a:t>
+            </a:r>
+            <a:endParaRPr lang="en-US" altLang="zh-TW" dirty="0"/>
+          </a:p>
+          <a:p>
+            <a:pPr lvl="1"/>
+            <a:r>
+              <a:rPr lang="zh-TW" altLang="en-US" dirty="0"/>
+              <a:t>高速公路</a:t>
+            </a:r>
+            <a:r>
+              <a:rPr lang="en-US" altLang="zh-TW" dirty="0"/>
+              <a:t>ETC- </a:t>
+            </a:r>
+            <a:r>
+              <a:rPr lang="zh-TW" altLang="en-US" dirty="0"/>
+              <a:t>塞車</a:t>
+            </a:r>
+            <a:r>
+              <a:rPr lang="en-US" altLang="zh-TW" dirty="0"/>
+              <a:t>/</a:t>
+            </a:r>
+            <a:r>
+              <a:rPr lang="zh-TW" altLang="en-US" dirty="0"/>
+              <a:t>順暢 </a:t>
+            </a:r>
+            <a:r>
+              <a:rPr lang="en-US" altLang="zh-TW" dirty="0"/>
+              <a:t>(</a:t>
+            </a:r>
+            <a:r>
+              <a:rPr lang="zh-TW" altLang="en-US" dirty="0"/>
+              <a:t>分級</a:t>
+            </a:r>
+            <a:r>
+              <a:rPr lang="en-US" altLang="zh-TW"/>
+              <a:t>)</a:t>
+            </a:r>
+            <a:r>
+              <a:rPr lang="zh-TW" altLang="en-US"/>
+              <a:t>。</a:t>
+            </a:r>
+            <a:endParaRPr lang="en-US" altLang="zh-TW" dirty="0"/>
+          </a:p>
+          <a:p>
+            <a:pPr lvl="1"/>
+            <a:r>
+              <a:rPr lang="zh-TW" altLang="en-US" dirty="0"/>
+              <a:t>車種、車速、時間、地點</a:t>
+            </a:r>
+            <a:r>
+              <a:rPr lang="en-US" altLang="zh-TW" dirty="0"/>
+              <a:t>(</a:t>
+            </a:r>
+            <a:r>
+              <a:rPr lang="zh-TW" altLang="en-US" dirty="0"/>
+              <a:t>旅行時間預測</a:t>
+            </a:r>
+            <a:r>
+              <a:rPr lang="en-US" altLang="zh-TW" dirty="0"/>
+              <a:t>)</a:t>
+            </a:r>
+          </a:p>
+        </p:txBody>
+      </p:sp>
+      <p:sp>
+        <p:nvSpPr>
+          <p:cNvPr id="4" name="投影片編號版面配置區 3">
+            <a:extLst>
+              <a:ext uri="{FF2B5EF4-FFF2-40B4-BE49-F238E27FC236}">
+                <a16:creationId xmlns:a16="http://schemas.microsoft.com/office/drawing/2014/main" id="{6C6C76F2-1CBA-4B4A-9B44-F019397C6742}"/>
+              </a:ext>
+            </a:extLst>
+          </p:cNvPr>
+          <p:cNvSpPr>
+            <a:spLocks noGrp="1"/>
+          </p:cNvSpPr>
+          <p:nvPr>
+            <p:ph type="sldNum" sz="quarter" idx="11"/>
+          </p:nvPr>
+        </p:nvSpPr>
+        <p:spPr/>
+        <p:txBody>
+          <a:bodyPr/>
+          <a:lstStyle/>
+          <a:p>
+            <a:pPr>
+              <a:defRPr/>
+            </a:pPr>
+            <a:fld id="{D88A4311-EFC0-4FDA-A15B-814A4F6B1725}" type="slidenum">
+              <a:rPr lang="en-US" altLang="zh-TW" smtClean="0"/>
+              <a:pPr>
+                <a:defRPr/>
+              </a:pPr>
+              <a:t>17</a:t>
+            </a:fld>
+            <a:endParaRPr lang="en-US" altLang="zh-TW"/>
+          </a:p>
+        </p:txBody>
+      </p:sp>
+    </p:spTree>
+    <p:extLst>
+      <p:ext uri="{BB962C8B-B14F-4D97-AF65-F5344CB8AC3E}">
+        <p14:creationId xmlns:p14="http://schemas.microsoft.com/office/powerpoint/2010/main" val="3335480795"/>
       </p:ext>
     </p:extLst>
   </p:cSld>

--- a/20240423/day9_2024_AIML_About_AIML.pptx
+++ b/20240423/day9_2024_AIML_About_AIML.pptx
@@ -11,10 +11,10 @@
     <p:sldMasterId id="2147486098" r:id="rId7"/>
   </p:sldMasterIdLst>
   <p:notesMasterIdLst>
-    <p:notesMasterId r:id="rId25"/>
+    <p:notesMasterId r:id="rId26"/>
   </p:notesMasterIdLst>
   <p:handoutMasterIdLst>
-    <p:handoutMasterId r:id="rId26"/>
+    <p:handoutMasterId r:id="rId27"/>
   </p:handoutMasterIdLst>
   <p:sldIdLst>
     <p:sldId id="685" r:id="rId8"/>
@@ -34,22 +34,23 @@
     <p:sldId id="854" r:id="rId22"/>
     <p:sldId id="855" r:id="rId23"/>
     <p:sldId id="856" r:id="rId24"/>
+    <p:sldId id="857" r:id="rId25"/>
   </p:sldIdLst>
   <p:sldSz cx="9144000" cy="6858000" type="screen4x3"/>
   <p:notesSz cx="6797675" cy="9928225"/>
   <p:embeddedFontLst>
     <p:embeddedFont>
       <p:font typeface="Arial Black" panose="020B0A04020102020204" pitchFamily="34" charset="0"/>
-      <p:bold r:id="rId27"/>
+      <p:bold r:id="rId28"/>
     </p:embeddedFont>
     <p:embeddedFont>
       <p:font typeface="微軟正黑體" panose="020B0604030504040204" pitchFamily="34" charset="-120"/>
-      <p:regular r:id="rId28"/>
-      <p:bold r:id="rId29"/>
+      <p:regular r:id="rId29"/>
+      <p:bold r:id="rId30"/>
     </p:embeddedFont>
     <p:embeddedFont>
       <p:font typeface="標楷體" panose="03000509000000000000" pitchFamily="65" charset="-120"/>
-      <p:regular r:id="rId30"/>
+      <p:regular r:id="rId31"/>
     </p:embeddedFont>
   </p:embeddedFontLst>
   <p:kinsoku lang="zh-TW" invalStChars="!),.:;?]}，、。．；：？！︰…‥﹐﹑﹒﹔﹕﹖﹗｜–︱—︳?︴﹏）︶﹜︸〕︺】︼》︾〉﹀」﹂』﹄﹚﹜﹞’”〞′·" invalEndChars="([{（︵﹛︷〔︹【︻《︽〈︿「﹁『﹃﹙﹛﹝‘“〝‵"/>
@@ -37033,88 +37034,10 @@
           <a:p>
             <a:pPr lvl="1"/>
             <a:r>
-              <a:rPr lang="zh-TW" altLang="en-US" dirty="0"/>
+              <a:rPr lang="zh-TW" altLang="en-US"/>
               <a:t>正確率</a:t>
             </a:r>
             <a:endParaRPr lang="en-US" altLang="zh-TW" dirty="0"/>
-          </a:p>
-          <a:p>
-            <a:r>
-              <a:rPr lang="en-US" altLang="zh-TW" dirty="0"/>
-              <a:t>2. </a:t>
-            </a:r>
-            <a:r>
-              <a:rPr lang="zh-TW" altLang="en-US" dirty="0"/>
-              <a:t>期中作業預告</a:t>
-            </a:r>
-            <a:r>
-              <a:rPr lang="en-US" altLang="zh-TW" dirty="0"/>
-              <a:t>-</a:t>
-            </a:r>
-            <a:r>
-              <a:rPr lang="zh-TW" altLang="en-US" dirty="0"/>
-              <a:t>準備自己的資料，</a:t>
-            </a:r>
-            <a:endParaRPr lang="en-US" altLang="zh-TW" dirty="0"/>
-          </a:p>
-          <a:p>
-            <a:pPr lvl="1"/>
-            <a:r>
-              <a:rPr lang="zh-TW" altLang="en-US" dirty="0"/>
-              <a:t>高速公路</a:t>
-            </a:r>
-            <a:r>
-              <a:rPr lang="en-US" altLang="zh-TW" dirty="0"/>
-              <a:t>ETC- </a:t>
-            </a:r>
-            <a:r>
-              <a:rPr lang="zh-TW" altLang="en-US" dirty="0"/>
-              <a:t>塞車</a:t>
-            </a:r>
-            <a:r>
-              <a:rPr lang="en-US" altLang="zh-TW" dirty="0"/>
-              <a:t>/</a:t>
-            </a:r>
-            <a:r>
-              <a:rPr lang="zh-TW" altLang="en-US" dirty="0"/>
-              <a:t>順暢 </a:t>
-            </a:r>
-            <a:r>
-              <a:rPr lang="en-US" altLang="zh-TW" dirty="0"/>
-              <a:t>(</a:t>
-            </a:r>
-            <a:r>
-              <a:rPr lang="zh-TW" altLang="en-US" dirty="0"/>
-              <a:t>分級</a:t>
-            </a:r>
-            <a:r>
-              <a:rPr lang="en-US" altLang="zh-TW"/>
-              <a:t>)</a:t>
-            </a:r>
-            <a:r>
-              <a:rPr lang="zh-TW" altLang="en-US"/>
-              <a:t>。</a:t>
-            </a:r>
-            <a:endParaRPr lang="en-US" altLang="zh-TW" dirty="0"/>
-          </a:p>
-          <a:p>
-            <a:pPr lvl="1"/>
-            <a:r>
-              <a:rPr lang="zh-TW" altLang="en-US" dirty="0"/>
-              <a:t>車種、車速、時間、地點</a:t>
-            </a:r>
-            <a:r>
-              <a:rPr lang="en-US" altLang="zh-TW" dirty="0"/>
-              <a:t>(</a:t>
-            </a:r>
-            <a:r>
-              <a:rPr lang="zh-TW" altLang="en-US" dirty="0"/>
-              <a:t>旅行時間預測</a:t>
-            </a:r>
-            <a:r>
-              <a:rPr lang="en-US" altLang="zh-TW" dirty="0"/>
-              <a:t>)</a:t>
-            </a:r>
           </a:p>
         </p:txBody>
       </p:sp>
@@ -37149,7 +37072,7 @@
               </a:pPr>
               <a:t>17</a:t>
             </a:fld>
-            <a:endParaRPr lang="en-US" altLang="zh-TW"/>
+            <a:endParaRPr lang="en-US" altLang="zh-TW" dirty="0"/>
           </a:p>
         </p:txBody>
       </p:sp>
@@ -37157,6 +37080,391 @@
     <p:extLst>
       <p:ext uri="{BB962C8B-B14F-4D97-AF65-F5344CB8AC3E}">
         <p14:creationId xmlns:p14="http://schemas.microsoft.com/office/powerpoint/2010/main" val="3335480795"/>
+      </p:ext>
+    </p:extLst>
+  </p:cSld>
+  <p:clrMapOvr>
+    <a:masterClrMapping/>
+  </p:clrMapOvr>
+</p:sld>
+</file>
+
+<file path=ppt/slides/slide18.xml><?xml version="1.0" encoding="utf-8"?>
+<p:sld xmlns:a="http://schemas.openxmlformats.org/drawingml/2006/main" xmlns:r="http://schemas.openxmlformats.org/officeDocument/2006/relationships" xmlns:p="http://schemas.openxmlformats.org/presentationml/2006/main">
+  <p:cSld>
+    <p:spTree>
+      <p:nvGrpSpPr>
+        <p:cNvPr id="1" name=""/>
+        <p:cNvGrpSpPr/>
+        <p:nvPr/>
+      </p:nvGrpSpPr>
+      <p:grpSpPr>
+        <a:xfrm>
+          <a:off x="0" y="0"/>
+          <a:ext cx="0" cy="0"/>
+          <a:chOff x="0" y="0"/>
+          <a:chExt cx="0" cy="0"/>
+        </a:xfrm>
+      </p:grpSpPr>
+      <p:sp>
+        <p:nvSpPr>
+          <p:cNvPr id="2" name="標題 1">
+            <a:extLst>
+              <a:ext uri="{FF2B5EF4-FFF2-40B4-BE49-F238E27FC236}">
+                <a16:creationId xmlns:a16="http://schemas.microsoft.com/office/drawing/2014/main" id="{72875350-E1CF-4ED8-9791-B2A771FD9EDB}"/>
+              </a:ext>
+            </a:extLst>
+          </p:cNvPr>
+          <p:cNvSpPr>
+            <a:spLocks noGrp="1"/>
+          </p:cNvSpPr>
+          <p:nvPr>
+            <p:ph type="title"/>
+          </p:nvPr>
+        </p:nvSpPr>
+        <p:spPr/>
+        <p:txBody>
+          <a:bodyPr/>
+          <a:lstStyle/>
+          <a:p>
+            <a:r>
+              <a:rPr lang="en-US" altLang="zh-TW" dirty="0"/>
+              <a:t>2024 </a:t>
+            </a:r>
+            <a:r>
+              <a:rPr lang="zh-TW" altLang="en-US" dirty="0"/>
+              <a:t>作業繳交</a:t>
+            </a:r>
+          </a:p>
+        </p:txBody>
+      </p:sp>
+      <p:sp>
+        <p:nvSpPr>
+          <p:cNvPr id="3" name="內容版面配置區 2">
+            <a:extLst>
+              <a:ext uri="{FF2B5EF4-FFF2-40B4-BE49-F238E27FC236}">
+                <a16:creationId xmlns:a16="http://schemas.microsoft.com/office/drawing/2014/main" id="{F80CED1E-9AA6-45E0-9EEA-631DEC244BDE}"/>
+              </a:ext>
+            </a:extLst>
+          </p:cNvPr>
+          <p:cNvSpPr>
+            <a:spLocks noGrp="1"/>
+          </p:cNvSpPr>
+          <p:nvPr>
+            <p:ph idx="1"/>
+          </p:nvPr>
+        </p:nvSpPr>
+        <p:spPr/>
+        <p:txBody>
+          <a:bodyPr/>
+          <a:lstStyle/>
+          <a:p>
+            <a:r>
+              <a:rPr lang="zh-TW" altLang="en-US" dirty="0"/>
+              <a:t>上傳截圖</a:t>
+            </a:r>
+            <a:endParaRPr lang="en-US" altLang="zh-TW" dirty="0"/>
+          </a:p>
+          <a:p>
+            <a:r>
+              <a:rPr lang="zh-TW" altLang="en-US" dirty="0"/>
+              <a:t>期中作業預告</a:t>
+            </a:r>
+            <a:r>
+              <a:rPr lang="en-US" altLang="zh-TW" dirty="0"/>
+              <a:t>-</a:t>
+            </a:r>
+            <a:r>
+              <a:rPr lang="zh-TW" altLang="en-US" dirty="0"/>
+              <a:t>準備自己的資料，</a:t>
+            </a:r>
+            <a:endParaRPr lang="en-US" altLang="zh-TW" dirty="0"/>
+          </a:p>
+          <a:p>
+            <a:pPr lvl="1"/>
+            <a:r>
+              <a:rPr lang="zh-TW" altLang="en-US" dirty="0"/>
+              <a:t>高速公路</a:t>
+            </a:r>
+            <a:r>
+              <a:rPr lang="en-US" altLang="zh-TW" dirty="0"/>
+              <a:t>ETC(</a:t>
+            </a:r>
+            <a:r>
+              <a:rPr lang="zh-TW" altLang="en-US" dirty="0"/>
+              <a:t>特徵 地點 時間</a:t>
+            </a:r>
+            <a:r>
+              <a:rPr lang="en-US" altLang="zh-TW" dirty="0"/>
+              <a:t>)</a:t>
+            </a:r>
+            <a:br>
+              <a:rPr lang="en-US" altLang="zh-TW" dirty="0"/>
+            </a:br>
+            <a:r>
+              <a:rPr lang="en-US" altLang="zh-TW" dirty="0"/>
+              <a:t>- </a:t>
+            </a:r>
+            <a:r>
+              <a:rPr lang="zh-TW" altLang="en-US" dirty="0"/>
+              <a:t>塞車</a:t>
+            </a:r>
+            <a:r>
+              <a:rPr lang="en-US" altLang="zh-TW" dirty="0"/>
+              <a:t>/</a:t>
+            </a:r>
+            <a:r>
+              <a:rPr lang="zh-TW" altLang="en-US" dirty="0"/>
+              <a:t>順暢 </a:t>
+            </a:r>
+            <a:r>
+              <a:rPr lang="en-US" altLang="zh-TW" dirty="0"/>
+              <a:t>(</a:t>
+            </a:r>
+            <a:r>
+              <a:rPr lang="zh-TW" altLang="en-US" dirty="0"/>
+              <a:t>分級</a:t>
+            </a:r>
+            <a:r>
+              <a:rPr lang="en-US" altLang="zh-TW" dirty="0"/>
+              <a:t>)</a:t>
+            </a:r>
+            <a:r>
+              <a:rPr lang="zh-TW" altLang="en-US" dirty="0"/>
+              <a:t>。</a:t>
+            </a:r>
+            <a:endParaRPr lang="en-US" altLang="zh-TW" dirty="0"/>
+          </a:p>
+          <a:p>
+            <a:pPr marL="457200" lvl="1" indent="0">
+              <a:buNone/>
+            </a:pPr>
+            <a:r>
+              <a:rPr lang="en-US" altLang="zh-TW" dirty="0"/>
+              <a:t>1. </a:t>
+            </a:r>
+            <a:r>
+              <a:rPr lang="zh-TW" altLang="en-US" dirty="0"/>
+              <a:t>最近一個星期的資料集</a:t>
+            </a:r>
+            <a:endParaRPr lang="en-US" altLang="zh-TW" dirty="0"/>
+          </a:p>
+          <a:p>
+            <a:pPr marL="457200" lvl="1" indent="0">
+              <a:buNone/>
+            </a:pPr>
+            <a:r>
+              <a:rPr lang="en-US" altLang="zh-TW" dirty="0"/>
+              <a:t>2. </a:t>
+            </a:r>
+            <a:r>
+              <a:rPr lang="zh-TW" altLang="en-US" dirty="0"/>
+              <a:t>地點</a:t>
+            </a:r>
+            <a:r>
+              <a:rPr lang="en-US" altLang="zh-TW" dirty="0"/>
+              <a:t>(</a:t>
+            </a:r>
+            <a:r>
+              <a:rPr lang="zh-TW" altLang="en-US" dirty="0"/>
+              <a:t>門架與門架之間</a:t>
+            </a:r>
+            <a:r>
+              <a:rPr lang="en-US" altLang="zh-TW" dirty="0"/>
+              <a:t>)</a:t>
+            </a:r>
+            <a:r>
+              <a:rPr lang="zh-TW" altLang="en-US" dirty="0"/>
+              <a:t> 里程數 </a:t>
+            </a:r>
+            <a:r>
+              <a:rPr lang="en-US" altLang="zh-TW" dirty="0"/>
+              <a:t>(</a:t>
+            </a:r>
+            <a:r>
+              <a:rPr lang="zh-TW" altLang="en-US" dirty="0"/>
+              <a:t>一號國道</a:t>
+            </a:r>
+            <a:r>
+              <a:rPr lang="en-US" altLang="zh-TW" dirty="0"/>
+              <a:t>)</a:t>
+            </a:r>
+          </a:p>
+          <a:p>
+            <a:pPr marL="457200" lvl="1" indent="0">
+              <a:buNone/>
+            </a:pPr>
+            <a:r>
+              <a:rPr lang="en-US" altLang="zh-TW" dirty="0"/>
+              <a:t>3. </a:t>
+            </a:r>
+            <a:r>
+              <a:rPr lang="zh-TW" altLang="en-US" dirty="0"/>
+              <a:t>時間 每五分鐘</a:t>
+            </a:r>
+            <a:r>
+              <a:rPr lang="en-US" altLang="zh-TW" dirty="0"/>
+              <a:t>(</a:t>
+            </a:r>
+            <a:r>
+              <a:rPr lang="zh-TW" altLang="en-US" dirty="0"/>
+              <a:t>第一個五分鐘</a:t>
+            </a:r>
+            <a:r>
+              <a:rPr lang="en-US" altLang="zh-TW" dirty="0"/>
+              <a:t>…)</a:t>
+            </a:r>
+          </a:p>
+          <a:p>
+            <a:pPr marL="457200" lvl="1" indent="0">
+              <a:buNone/>
+            </a:pPr>
+            <a:r>
+              <a:rPr lang="en-US" altLang="zh-TW" dirty="0">
+                <a:highlight>
+                  <a:srgbClr val="FFFF00"/>
+                </a:highlight>
+              </a:rPr>
+              <a:t>4. </a:t>
+            </a:r>
+            <a:r>
+              <a:rPr lang="zh-TW" altLang="en-US" dirty="0">
+                <a:highlight>
+                  <a:srgbClr val="FFFF00"/>
+                </a:highlight>
+              </a:rPr>
+              <a:t>車速 </a:t>
+            </a:r>
+            <a:r>
+              <a:rPr lang="en-US" altLang="zh-TW" dirty="0">
+                <a:highlight>
+                  <a:srgbClr val="FFFF00"/>
+                </a:highlight>
+              </a:rPr>
+              <a:t>(70 </a:t>
+            </a:r>
+            <a:r>
+              <a:rPr lang="zh-TW" altLang="en-US" u="sng" dirty="0">
+                <a:highlight>
+                  <a:srgbClr val="FFFF00"/>
+                </a:highlight>
+              </a:rPr>
+              <a:t>以上，順暢</a:t>
+            </a:r>
+            <a:r>
+              <a:rPr lang="en-US" altLang="zh-TW" u="sng" dirty="0">
+                <a:highlight>
+                  <a:srgbClr val="FFFF00"/>
+                </a:highlight>
+              </a:rPr>
+              <a:t>)</a:t>
+            </a:r>
+            <a:r>
+              <a:rPr lang="zh-TW" altLang="en-US" u="sng" dirty="0">
+                <a:highlight>
+                  <a:srgbClr val="FFFF00"/>
+                </a:highlight>
+              </a:rPr>
+              <a:t> </a:t>
+            </a:r>
+            <a:r>
+              <a:rPr lang="en-US" altLang="zh-TW" u="sng" dirty="0">
+                <a:highlight>
+                  <a:srgbClr val="FFFF00"/>
+                </a:highlight>
+              </a:rPr>
+              <a:t>(70</a:t>
+            </a:r>
+            <a:r>
+              <a:rPr lang="zh-TW" altLang="en-US" u="sng" dirty="0">
+                <a:highlight>
+                  <a:srgbClr val="FFFF00"/>
+                </a:highlight>
+              </a:rPr>
+              <a:t>以下，車多</a:t>
+            </a:r>
+            <a:r>
+              <a:rPr lang="en-US" altLang="zh-TW" u="sng" dirty="0">
+                <a:highlight>
+                  <a:srgbClr val="FFFF00"/>
+                </a:highlight>
+              </a:rPr>
+              <a:t>)</a:t>
+            </a:r>
+            <a:r>
+              <a:rPr lang="zh-TW" altLang="en-US" u="sng" dirty="0">
+                <a:highlight>
+                  <a:srgbClr val="FFFF00"/>
+                </a:highlight>
+              </a:rPr>
+              <a:t> </a:t>
+            </a:r>
+            <a:r>
+              <a:rPr lang="en-US" altLang="zh-TW" u="sng" dirty="0">
+                <a:highlight>
+                  <a:srgbClr val="FFFF00"/>
+                </a:highlight>
+              </a:rPr>
+              <a:t>(</a:t>
+            </a:r>
+            <a:r>
+              <a:rPr lang="zh-TW" altLang="en-US" u="sng" dirty="0">
+                <a:highlight>
+                  <a:srgbClr val="FFFF00"/>
+                </a:highlight>
+              </a:rPr>
+              <a:t>標籤</a:t>
+            </a:r>
+            <a:r>
+              <a:rPr lang="en-US" altLang="zh-TW" u="sng" dirty="0">
+                <a:highlight>
+                  <a:srgbClr val="FFFF00"/>
+                </a:highlight>
+              </a:rPr>
+              <a:t>)</a:t>
+            </a:r>
+          </a:p>
+        </p:txBody>
+      </p:sp>
+      <p:sp>
+        <p:nvSpPr>
+          <p:cNvPr id="4" name="投影片編號版面配置區 3">
+            <a:extLst>
+              <a:ext uri="{FF2B5EF4-FFF2-40B4-BE49-F238E27FC236}">
+                <a16:creationId xmlns:a16="http://schemas.microsoft.com/office/drawing/2014/main" id="{6C6C76F2-1CBA-4B4A-9B44-F019397C6742}"/>
+              </a:ext>
+            </a:extLst>
+          </p:cNvPr>
+          <p:cNvSpPr>
+            <a:spLocks noGrp="1"/>
+          </p:cNvSpPr>
+          <p:nvPr>
+            <p:ph type="sldNum" sz="quarter" idx="11"/>
+          </p:nvPr>
+        </p:nvSpPr>
+        <p:spPr/>
+        <p:txBody>
+          <a:bodyPr/>
+          <a:lstStyle/>
+          <a:p>
+            <a:pPr>
+              <a:defRPr/>
+            </a:pPr>
+            <a:fld id="{D88A4311-EFC0-4FDA-A15B-814A4F6B1725}" type="slidenum">
+              <a:rPr lang="en-US" altLang="zh-TW" smtClean="0"/>
+              <a:pPr>
+                <a:defRPr/>
+              </a:pPr>
+              <a:t>18</a:t>
+            </a:fld>
+            <a:endParaRPr lang="en-US" altLang="zh-TW"/>
+          </a:p>
+        </p:txBody>
+      </p:sp>
+    </p:spTree>
+    <p:extLst>
+      <p:ext uri="{BB962C8B-B14F-4D97-AF65-F5344CB8AC3E}">
+        <p14:creationId xmlns:p14="http://schemas.microsoft.com/office/powerpoint/2010/main" val="252660637"/>
       </p:ext>
     </p:extLst>
   </p:cSld>
